--- a/assets/media/anxiety.pptx
+++ b/assets/media/anxiety.pptx
@@ -243,7 +243,7 @@
           <a:p>
             <a:fld id="{4E060E1D-A4A4-4902-AF8B-E8951BA54CFF}" type="datetimeFigureOut">
               <a:rPr lang="zh-CN" altLang="en-US" smtClean="0"/>
-              <a:t>2022/6/22</a:t>
+              <a:t>2022/6/23</a:t>
             </a:fld>
             <a:endParaRPr lang="zh-CN" altLang="en-US"/>
           </a:p>
@@ -413,7 +413,7 @@
           <a:p>
             <a:fld id="{4E060E1D-A4A4-4902-AF8B-E8951BA54CFF}" type="datetimeFigureOut">
               <a:rPr lang="zh-CN" altLang="en-US" smtClean="0"/>
-              <a:t>2022/6/22</a:t>
+              <a:t>2022/6/23</a:t>
             </a:fld>
             <a:endParaRPr lang="zh-CN" altLang="en-US"/>
           </a:p>
@@ -593,7 +593,7 @@
           <a:p>
             <a:fld id="{4E060E1D-A4A4-4902-AF8B-E8951BA54CFF}" type="datetimeFigureOut">
               <a:rPr lang="zh-CN" altLang="en-US" smtClean="0"/>
-              <a:t>2022/6/22</a:t>
+              <a:t>2022/6/23</a:t>
             </a:fld>
             <a:endParaRPr lang="zh-CN" altLang="en-US"/>
           </a:p>
@@ -763,7 +763,7 @@
           <a:p>
             <a:fld id="{4E060E1D-A4A4-4902-AF8B-E8951BA54CFF}" type="datetimeFigureOut">
               <a:rPr lang="zh-CN" altLang="en-US" smtClean="0"/>
-              <a:t>2022/6/22</a:t>
+              <a:t>2022/6/23</a:t>
             </a:fld>
             <a:endParaRPr lang="zh-CN" altLang="en-US"/>
           </a:p>
@@ -1009,7 +1009,7 @@
           <a:p>
             <a:fld id="{4E060E1D-A4A4-4902-AF8B-E8951BA54CFF}" type="datetimeFigureOut">
               <a:rPr lang="zh-CN" altLang="en-US" smtClean="0"/>
-              <a:t>2022/6/22</a:t>
+              <a:t>2022/6/23</a:t>
             </a:fld>
             <a:endParaRPr lang="zh-CN" altLang="en-US"/>
           </a:p>
@@ -1241,7 +1241,7 @@
           <a:p>
             <a:fld id="{4E060E1D-A4A4-4902-AF8B-E8951BA54CFF}" type="datetimeFigureOut">
               <a:rPr lang="zh-CN" altLang="en-US" smtClean="0"/>
-              <a:t>2022/6/22</a:t>
+              <a:t>2022/6/23</a:t>
             </a:fld>
             <a:endParaRPr lang="zh-CN" altLang="en-US"/>
           </a:p>
@@ -1608,7 +1608,7 @@
           <a:p>
             <a:fld id="{4E060E1D-A4A4-4902-AF8B-E8951BA54CFF}" type="datetimeFigureOut">
               <a:rPr lang="zh-CN" altLang="en-US" smtClean="0"/>
-              <a:t>2022/6/22</a:t>
+              <a:t>2022/6/23</a:t>
             </a:fld>
             <a:endParaRPr lang="zh-CN" altLang="en-US"/>
           </a:p>
@@ -1726,7 +1726,7 @@
           <a:p>
             <a:fld id="{4E060E1D-A4A4-4902-AF8B-E8951BA54CFF}" type="datetimeFigureOut">
               <a:rPr lang="zh-CN" altLang="en-US" smtClean="0"/>
-              <a:t>2022/6/22</a:t>
+              <a:t>2022/6/23</a:t>
             </a:fld>
             <a:endParaRPr lang="zh-CN" altLang="en-US"/>
           </a:p>
@@ -1821,7 +1821,7 @@
           <a:p>
             <a:fld id="{4E060E1D-A4A4-4902-AF8B-E8951BA54CFF}" type="datetimeFigureOut">
               <a:rPr lang="zh-CN" altLang="en-US" smtClean="0"/>
-              <a:t>2022/6/22</a:t>
+              <a:t>2022/6/23</a:t>
             </a:fld>
             <a:endParaRPr lang="zh-CN" altLang="en-US"/>
           </a:p>
@@ -2098,7 +2098,7 @@
           <a:p>
             <a:fld id="{4E060E1D-A4A4-4902-AF8B-E8951BA54CFF}" type="datetimeFigureOut">
               <a:rPr lang="zh-CN" altLang="en-US" smtClean="0"/>
-              <a:t>2022/6/22</a:t>
+              <a:t>2022/6/23</a:t>
             </a:fld>
             <a:endParaRPr lang="zh-CN" altLang="en-US"/>
           </a:p>
@@ -2355,7 +2355,7 @@
           <a:p>
             <a:fld id="{4E060E1D-A4A4-4902-AF8B-E8951BA54CFF}" type="datetimeFigureOut">
               <a:rPr lang="zh-CN" altLang="en-US" smtClean="0"/>
-              <a:t>2022/6/22</a:t>
+              <a:t>2022/6/23</a:t>
             </a:fld>
             <a:endParaRPr lang="zh-CN" altLang="en-US"/>
           </a:p>
@@ -2568,7 +2568,7 @@
           <a:p>
             <a:fld id="{4E060E1D-A4A4-4902-AF8B-E8951BA54CFF}" type="datetimeFigureOut">
               <a:rPr lang="zh-CN" altLang="en-US" smtClean="0"/>
-              <a:t>2022/6/22</a:t>
+              <a:t>2022/6/23</a:t>
             </a:fld>
             <a:endParaRPr lang="zh-CN" altLang="en-US"/>
           </a:p>
@@ -2987,10 +2987,10 @@
         </p:nvGrpSpPr>
         <p:grpSpPr>
           <a:xfrm>
-            <a:off x="87198" y="994725"/>
-            <a:ext cx="3579878" cy="2461665"/>
-            <a:chOff x="4493373" y="553055"/>
-            <a:chExt cx="4134363" cy="2820944"/>
+            <a:off x="2689" y="540995"/>
+            <a:ext cx="3875054" cy="3256648"/>
+            <a:chOff x="4493373" y="541603"/>
+            <a:chExt cx="4134363" cy="3421707"/>
           </a:xfrm>
         </p:grpSpPr>
         <p:pic>
@@ -3015,8 +3015,8 @@
           </p:blipFill>
           <p:spPr>
             <a:xfrm>
-              <a:off x="4623637" y="2333900"/>
-              <a:ext cx="3847113" cy="1040099"/>
+              <a:off x="4817066" y="2269760"/>
+              <a:ext cx="3698049" cy="1693550"/>
             </a:xfrm>
             <a:prstGeom prst="rect">
               <a:avLst/>
@@ -3180,7 +3180,7 @@
           </p:nvSpPr>
           <p:spPr>
             <a:xfrm>
-              <a:off x="6235146" y="553221"/>
+              <a:off x="6226042" y="541603"/>
               <a:ext cx="624097" cy="276999"/>
             </a:xfrm>
             <a:prstGeom prst="rect">
@@ -3241,42 +3241,6 @@
       </p:grpSp>
       <p:pic>
         <p:nvPicPr>
-          <p:cNvPr id="17" name="图片 16">
-            <a:extLst>
-              <a:ext uri="{FF2B5EF4-FFF2-40B4-BE49-F238E27FC236}">
-                <a16:creationId xmlns:a16="http://schemas.microsoft.com/office/drawing/2014/main" id="{B92B4F29-2835-9554-403A-B5DFD1F37F4D}"/>
-              </a:ext>
-            </a:extLst>
-          </p:cNvPr>
-          <p:cNvPicPr>
-            <a:picLocks noChangeAspect="1"/>
-          </p:cNvPicPr>
-          <p:nvPr/>
-        </p:nvPicPr>
-        <p:blipFill>
-          <a:blip r:embed="rId6">
-            <a:extLst>
-              <a:ext uri="{28A0092B-C50C-407E-A947-70E740481C1C}">
-                <a14:useLocalDpi xmlns:a14="http://schemas.microsoft.com/office/drawing/2010/main" val="0"/>
-              </a:ext>
-            </a:extLst>
-          </a:blip>
-          <a:stretch>
-            <a:fillRect/>
-          </a:stretch>
-        </p:blipFill>
-        <p:spPr>
-          <a:xfrm>
-            <a:off x="3793782" y="667085"/>
-            <a:ext cx="4188348" cy="3004468"/>
-          </a:xfrm>
-          <a:prstGeom prst="rect">
-            <a:avLst/>
-          </a:prstGeom>
-        </p:spPr>
-      </p:pic>
-      <p:pic>
-        <p:nvPicPr>
           <p:cNvPr id="19" name="图片 18">
             <a:extLst>
               <a:ext uri="{FF2B5EF4-FFF2-40B4-BE49-F238E27FC236}">
@@ -3290,21 +3254,591 @@
           <p:nvPr/>
         </p:nvPicPr>
         <p:blipFill>
-          <a:blip r:embed="rId7"/>
+          <a:blip r:embed="rId6"/>
           <a:stretch>
             <a:fillRect/>
           </a:stretch>
         </p:blipFill>
         <p:spPr>
           <a:xfrm>
-            <a:off x="8050151" y="1053661"/>
-            <a:ext cx="2809777" cy="2343794"/>
+            <a:off x="7690871" y="271464"/>
+            <a:ext cx="2640882" cy="1605444"/>
           </a:xfrm>
           <a:prstGeom prst="rect">
             <a:avLst/>
           </a:prstGeom>
         </p:spPr>
       </p:pic>
+      <p:grpSp>
+        <p:nvGrpSpPr>
+          <p:cNvPr id="20" name="组合 19">
+            <a:extLst>
+              <a:ext uri="{FF2B5EF4-FFF2-40B4-BE49-F238E27FC236}">
+                <a16:creationId xmlns:a16="http://schemas.microsoft.com/office/drawing/2014/main" id="{D3201CD9-EB0F-5C5A-2DFD-CF138595ACF2}"/>
+              </a:ext>
+            </a:extLst>
+          </p:cNvPr>
+          <p:cNvGrpSpPr/>
+          <p:nvPr/>
+        </p:nvGrpSpPr>
+        <p:grpSpPr>
+          <a:xfrm>
+            <a:off x="4155752" y="-78581"/>
+            <a:ext cx="3283544" cy="3750947"/>
+            <a:chOff x="4351836" y="-226502"/>
+            <a:chExt cx="3283544" cy="3750947"/>
+          </a:xfrm>
+        </p:grpSpPr>
+        <p:grpSp>
+          <p:nvGrpSpPr>
+            <p:cNvPr id="15" name="组合 14">
+              <a:extLst>
+                <a:ext uri="{FF2B5EF4-FFF2-40B4-BE49-F238E27FC236}">
+                  <a16:creationId xmlns:a16="http://schemas.microsoft.com/office/drawing/2014/main" id="{0B75FF70-85A0-211C-7FF9-F26A33DB79E2}"/>
+                </a:ext>
+              </a:extLst>
+            </p:cNvPr>
+            <p:cNvGrpSpPr/>
+            <p:nvPr/>
+          </p:nvGrpSpPr>
+          <p:grpSpPr>
+            <a:xfrm>
+              <a:off x="4566854" y="1668594"/>
+              <a:ext cx="3068526" cy="1855851"/>
+              <a:chOff x="4660349" y="2086419"/>
+              <a:chExt cx="2825900" cy="1832310"/>
+            </a:xfrm>
+          </p:grpSpPr>
+          <p:grpSp>
+            <p:nvGrpSpPr>
+              <p:cNvPr id="3" name="组合 2">
+                <a:extLst>
+                  <a:ext uri="{FF2B5EF4-FFF2-40B4-BE49-F238E27FC236}">
+                    <a16:creationId xmlns:a16="http://schemas.microsoft.com/office/drawing/2014/main" id="{C384E26F-3A05-4568-935D-B69C25F392F3}"/>
+                  </a:ext>
+                </a:extLst>
+              </p:cNvPr>
+              <p:cNvGrpSpPr/>
+              <p:nvPr/>
+            </p:nvGrpSpPr>
+            <p:grpSpPr>
+              <a:xfrm>
+                <a:off x="4660349" y="2086419"/>
+                <a:ext cx="2825900" cy="1832310"/>
+                <a:chOff x="4356507" y="1445135"/>
+                <a:chExt cx="2825900" cy="1832310"/>
+              </a:xfrm>
+            </p:grpSpPr>
+            <p:pic>
+              <p:nvPicPr>
+                <p:cNvPr id="1028" name="Picture 4" descr="Mouse Brain Sagittal - Rat Brain Cartoon (1280x614), Png Download">
+                  <a:extLst>
+                    <a:ext uri="{FF2B5EF4-FFF2-40B4-BE49-F238E27FC236}">
+                      <a16:creationId xmlns:a16="http://schemas.microsoft.com/office/drawing/2014/main" id="{68130B80-8E41-EB39-8B8A-95EC3F3E0C27}"/>
+                    </a:ext>
+                  </a:extLst>
+                </p:cNvPr>
+                <p:cNvPicPr>
+                  <a:picLocks noChangeAspect="1" noChangeArrowheads="1"/>
+                </p:cNvPicPr>
+                <p:nvPr/>
+              </p:nvPicPr>
+              <p:blipFill>
+                <a:blip r:embed="rId7">
+                  <a:extLst>
+                    <a:ext uri="{28A0092B-C50C-407E-A947-70E740481C1C}">
+                      <a14:useLocalDpi xmlns:a14="http://schemas.microsoft.com/office/drawing/2010/main" val="0"/>
+                    </a:ext>
+                  </a:extLst>
+                </a:blip>
+                <a:srcRect/>
+                <a:stretch>
+                  <a:fillRect/>
+                </a:stretch>
+              </p:blipFill>
+              <p:spPr bwMode="auto">
+                <a:xfrm rot="19800376">
+                  <a:off x="4615492" y="1812098"/>
+                  <a:ext cx="742888" cy="320683"/>
+                </a:xfrm>
+                <a:prstGeom prst="rect">
+                  <a:avLst/>
+                </a:prstGeom>
+                <a:noFill/>
+                <a:extLst>
+                  <a:ext uri="{909E8E84-426E-40DD-AFC4-6F175D3DCCD1}">
+                    <a14:hiddenFill xmlns:a14="http://schemas.microsoft.com/office/drawing/2010/main">
+                      <a:solidFill>
+                        <a:srgbClr val="FFFFFF"/>
+                      </a:solidFill>
+                    </a14:hiddenFill>
+                  </a:ext>
+                </a:extLst>
+              </p:spPr>
+            </p:pic>
+            <p:pic>
+              <p:nvPicPr>
+                <p:cNvPr id="1026" name="Picture 2" descr="Laboratory mouse - Wikipedia">
+                  <a:extLst>
+                    <a:ext uri="{FF2B5EF4-FFF2-40B4-BE49-F238E27FC236}">
+                      <a16:creationId xmlns:a16="http://schemas.microsoft.com/office/drawing/2014/main" id="{81B232A2-9E40-B39F-2E0B-0AE9FDEA306A}"/>
+                    </a:ext>
+                  </a:extLst>
+                </p:cNvPr>
+                <p:cNvPicPr>
+                  <a:picLocks noChangeAspect="1" noChangeArrowheads="1"/>
+                </p:cNvPicPr>
+                <p:nvPr/>
+              </p:nvPicPr>
+              <p:blipFill>
+                <a:blip r:embed="rId8">
+                  <a:extLst>
+                    <a:ext uri="{28A0092B-C50C-407E-A947-70E740481C1C}">
+                      <a14:useLocalDpi xmlns:a14="http://schemas.microsoft.com/office/drawing/2010/main" val="0"/>
+                    </a:ext>
+                  </a:extLst>
+                </a:blip>
+                <a:srcRect/>
+                <a:stretch>
+                  <a:fillRect/>
+                </a:stretch>
+              </p:blipFill>
+              <p:spPr bwMode="auto">
+                <a:xfrm>
+                  <a:off x="4356507" y="1445135"/>
+                  <a:ext cx="2825900" cy="1832310"/>
+                </a:xfrm>
+                <a:prstGeom prst="rect">
+                  <a:avLst/>
+                </a:prstGeom>
+                <a:noFill/>
+                <a:extLst>
+                  <a:ext uri="{909E8E84-426E-40DD-AFC4-6F175D3DCCD1}">
+                    <a14:hiddenFill xmlns:a14="http://schemas.microsoft.com/office/drawing/2010/main">
+                      <a:solidFill>
+                        <a:srgbClr val="FFFFFF"/>
+                      </a:solidFill>
+                    </a14:hiddenFill>
+                  </a:ext>
+                </a:extLst>
+              </p:spPr>
+            </p:pic>
+          </p:grpSp>
+          <p:grpSp>
+            <p:nvGrpSpPr>
+              <p:cNvPr id="10" name="组合 9">
+                <a:extLst>
+                  <a:ext uri="{FF2B5EF4-FFF2-40B4-BE49-F238E27FC236}">
+                    <a16:creationId xmlns:a16="http://schemas.microsoft.com/office/drawing/2014/main" id="{D1E68AA7-3287-328A-31B2-D4828B53FE0A}"/>
+                  </a:ext>
+                </a:extLst>
+              </p:cNvPr>
+              <p:cNvGrpSpPr/>
+              <p:nvPr/>
+            </p:nvGrpSpPr>
+            <p:grpSpPr>
+              <a:xfrm>
+                <a:off x="4888922" y="2499497"/>
+                <a:ext cx="281274" cy="228451"/>
+                <a:chOff x="4657991" y="1360873"/>
+                <a:chExt cx="281274" cy="228451"/>
+              </a:xfrm>
+            </p:grpSpPr>
+            <p:grpSp>
+              <p:nvGrpSpPr>
+                <p:cNvPr id="5" name="组合 4">
+                  <a:extLst>
+                    <a:ext uri="{FF2B5EF4-FFF2-40B4-BE49-F238E27FC236}">
+                      <a16:creationId xmlns:a16="http://schemas.microsoft.com/office/drawing/2014/main" id="{FFEAF2FB-E613-D0E9-71F3-2C0A710DCF15}"/>
+                    </a:ext>
+                  </a:extLst>
+                </p:cNvPr>
+                <p:cNvGrpSpPr/>
+                <p:nvPr/>
+              </p:nvGrpSpPr>
+              <p:grpSpPr>
+                <a:xfrm>
+                  <a:off x="4657991" y="1360873"/>
+                  <a:ext cx="271027" cy="219168"/>
+                  <a:chOff x="4791793" y="870609"/>
+                  <a:chExt cx="271027" cy="219168"/>
+                </a:xfrm>
+              </p:grpSpPr>
+              <p:sp>
+                <p:nvSpPr>
+                  <p:cNvPr id="4" name="矩形 3">
+                    <a:extLst>
+                      <a:ext uri="{FF2B5EF4-FFF2-40B4-BE49-F238E27FC236}">
+                        <a16:creationId xmlns:a16="http://schemas.microsoft.com/office/drawing/2014/main" id="{B6ABB931-3AEB-DB05-4776-55AC5842F42F}"/>
+                      </a:ext>
+                    </a:extLst>
+                  </p:cNvPr>
+                  <p:cNvSpPr/>
+                  <p:nvPr/>
+                </p:nvSpPr>
+                <p:spPr>
+                  <a:xfrm rot="19527827">
+                    <a:off x="4957810" y="899103"/>
+                    <a:ext cx="45719" cy="190674"/>
+                  </a:xfrm>
+                  <a:prstGeom prst="rect">
+                    <a:avLst/>
+                  </a:prstGeom>
+                  <a:solidFill>
+                    <a:schemeClr val="accent5">
+                      <a:lumMod val="40000"/>
+                      <a:lumOff val="60000"/>
+                    </a:schemeClr>
+                  </a:solidFill>
+                  <a:ln>
+                    <a:solidFill>
+                      <a:schemeClr val="accent1"/>
+                    </a:solidFill>
+                  </a:ln>
+                </p:spPr>
+                <p:style>
+                  <a:lnRef idx="2">
+                    <a:schemeClr val="accent1">
+                      <a:shade val="50000"/>
+                    </a:schemeClr>
+                  </a:lnRef>
+                  <a:fillRef idx="1">
+                    <a:schemeClr val="accent1"/>
+                  </a:fillRef>
+                  <a:effectRef idx="0">
+                    <a:schemeClr val="accent1"/>
+                  </a:effectRef>
+                  <a:fontRef idx="minor">
+                    <a:schemeClr val="lt1"/>
+                  </a:fontRef>
+                </p:style>
+                <p:txBody>
+                  <a:bodyPr rtlCol="0" anchor="ctr"/>
+                  <a:lstStyle/>
+                  <a:p>
+                    <a:pPr algn="ctr"/>
+                    <a:endParaRPr lang="zh-CN" altLang="en-US"/>
+                  </a:p>
+                </p:txBody>
+              </p:sp>
+              <p:sp>
+                <p:nvSpPr>
+                  <p:cNvPr id="16" name="矩形 15">
+                    <a:extLst>
+                      <a:ext uri="{FF2B5EF4-FFF2-40B4-BE49-F238E27FC236}">
+                        <a16:creationId xmlns:a16="http://schemas.microsoft.com/office/drawing/2014/main" id="{0568E88E-4B7A-BF95-9474-9F6F069E5B08}"/>
+                      </a:ext>
+                    </a:extLst>
+                  </p:cNvPr>
+                  <p:cNvSpPr/>
+                  <p:nvPr/>
+                </p:nvSpPr>
+                <p:spPr>
+                  <a:xfrm rot="19527827">
+                    <a:off x="4791793" y="870609"/>
+                    <a:ext cx="271027" cy="51546"/>
+                  </a:xfrm>
+                  <a:prstGeom prst="rect">
+                    <a:avLst/>
+                  </a:prstGeom>
+                  <a:solidFill>
+                    <a:schemeClr val="tx1">
+                      <a:lumMod val="95000"/>
+                      <a:lumOff val="5000"/>
+                    </a:schemeClr>
+                  </a:solidFill>
+                  <a:ln>
+                    <a:solidFill>
+                      <a:schemeClr val="tx1"/>
+                    </a:solidFill>
+                  </a:ln>
+                </p:spPr>
+                <p:style>
+                  <a:lnRef idx="2">
+                    <a:schemeClr val="accent1">
+                      <a:shade val="50000"/>
+                    </a:schemeClr>
+                  </a:lnRef>
+                  <a:fillRef idx="1">
+                    <a:schemeClr val="accent1"/>
+                  </a:fillRef>
+                  <a:effectRef idx="0">
+                    <a:schemeClr val="accent1"/>
+                  </a:effectRef>
+                  <a:fontRef idx="minor">
+                    <a:schemeClr val="lt1"/>
+                  </a:fontRef>
+                </p:style>
+                <p:txBody>
+                  <a:bodyPr rtlCol="0" anchor="ctr"/>
+                  <a:lstStyle/>
+                  <a:p>
+                    <a:pPr algn="ctr"/>
+                    <a:endParaRPr lang="zh-CN" altLang="en-US"/>
+                  </a:p>
+                </p:txBody>
+              </p:sp>
+            </p:grpSp>
+            <p:sp>
+              <p:nvSpPr>
+                <p:cNvPr id="7" name="椭圆 6">
+                  <a:extLst>
+                    <a:ext uri="{FF2B5EF4-FFF2-40B4-BE49-F238E27FC236}">
+                      <a16:creationId xmlns:a16="http://schemas.microsoft.com/office/drawing/2014/main" id="{42FE8EAF-E687-B794-16D2-85546F96A216}"/>
+                    </a:ext>
+                  </a:extLst>
+                </p:cNvPr>
+                <p:cNvSpPr/>
+                <p:nvPr/>
+              </p:nvSpPr>
+              <p:spPr>
+                <a:xfrm>
+                  <a:off x="4793504" y="1434766"/>
+                  <a:ext cx="145761" cy="154558"/>
+                </a:xfrm>
+                <a:prstGeom prst="ellipse">
+                  <a:avLst/>
+                </a:prstGeom>
+                <a:gradFill flip="none" rotWithShape="1">
+                  <a:gsLst>
+                    <a:gs pos="78000">
+                      <a:schemeClr val="accent6">
+                        <a:lumMod val="75000"/>
+                        <a:alpha val="27000"/>
+                      </a:schemeClr>
+                    </a:gs>
+                    <a:gs pos="21000">
+                      <a:schemeClr val="accent6">
+                        <a:lumMod val="70000"/>
+                      </a:schemeClr>
+                    </a:gs>
+                  </a:gsLst>
+                  <a:path path="circle">
+                    <a:fillToRect l="50000" t="50000" r="50000" b="50000"/>
+                  </a:path>
+                  <a:tileRect/>
+                </a:gradFill>
+                <a:ln>
+                  <a:noFill/>
+                </a:ln>
+              </p:spPr>
+              <p:style>
+                <a:lnRef idx="2">
+                  <a:schemeClr val="accent1">
+                    <a:shade val="50000"/>
+                  </a:schemeClr>
+                </a:lnRef>
+                <a:fillRef idx="1">
+                  <a:schemeClr val="accent1"/>
+                </a:fillRef>
+                <a:effectRef idx="0">
+                  <a:schemeClr val="accent1"/>
+                </a:effectRef>
+                <a:fontRef idx="minor">
+                  <a:schemeClr val="lt1"/>
+                </a:fontRef>
+              </p:style>
+              <p:txBody>
+                <a:bodyPr rtlCol="0" anchor="ctr"/>
+                <a:lstStyle/>
+                <a:p>
+                  <a:pPr algn="ctr"/>
+                  <a:endParaRPr lang="zh-CN" altLang="en-US"/>
+                </a:p>
+              </p:txBody>
+            </p:sp>
+          </p:grpSp>
+        </p:grpSp>
+        <p:sp>
+          <p:nvSpPr>
+            <p:cNvPr id="18" name="任意多边形: 形状 17">
+              <a:extLst>
+                <a:ext uri="{FF2B5EF4-FFF2-40B4-BE49-F238E27FC236}">
+                  <a16:creationId xmlns:a16="http://schemas.microsoft.com/office/drawing/2014/main" id="{AE0E29B7-1E3E-A29D-2F8D-BDB2CE85FF6C}"/>
+                </a:ext>
+              </a:extLst>
+            </p:cNvPr>
+            <p:cNvSpPr/>
+            <p:nvPr/>
+          </p:nvSpPr>
+          <p:spPr>
+            <a:xfrm>
+              <a:off x="4351836" y="-226502"/>
+              <a:ext cx="1204414" cy="2348918"/>
+            </a:xfrm>
+            <a:custGeom>
+              <a:avLst/>
+              <a:gdLst>
+                <a:gd name="connsiteX0" fmla="*/ 547335 w 1109182"/>
+                <a:gd name="connsiteY0" fmla="*/ 2161753 h 2161753"/>
+                <a:gd name="connsiteX1" fmla="*/ 102718 w 1109182"/>
+                <a:gd name="connsiteY1" fmla="*/ 1851360 h 2161753"/>
+                <a:gd name="connsiteX2" fmla="*/ 27217 w 1109182"/>
+                <a:gd name="connsiteY2" fmla="*/ 1138296 h 2161753"/>
+                <a:gd name="connsiteX3" fmla="*/ 471834 w 1109182"/>
+                <a:gd name="connsiteY3" fmla="*/ 693679 h 2161753"/>
+                <a:gd name="connsiteX4" fmla="*/ 1050674 w 1109182"/>
+                <a:gd name="connsiteY4" fmla="*/ 56116 h 2161753"/>
+                <a:gd name="connsiteX5" fmla="*/ 1059063 w 1109182"/>
+                <a:gd name="connsiteY5" fmla="*/ 72894 h 2161753"/>
+              </a:gdLst>
+              <a:ahLst/>
+              <a:cxnLst>
+                <a:cxn ang="0">
+                  <a:pos x="connsiteX0" y="connsiteY0"/>
+                </a:cxn>
+                <a:cxn ang="0">
+                  <a:pos x="connsiteX1" y="connsiteY1"/>
+                </a:cxn>
+                <a:cxn ang="0">
+                  <a:pos x="connsiteX2" y="connsiteY2"/>
+                </a:cxn>
+                <a:cxn ang="0">
+                  <a:pos x="connsiteX3" y="connsiteY3"/>
+                </a:cxn>
+                <a:cxn ang="0">
+                  <a:pos x="connsiteX4" y="connsiteY4"/>
+                </a:cxn>
+                <a:cxn ang="0">
+                  <a:pos x="connsiteX5" y="connsiteY5"/>
+                </a:cxn>
+              </a:cxnLst>
+              <a:rect l="l" t="t" r="r" b="b"/>
+              <a:pathLst>
+                <a:path w="1109182" h="2161753">
+                  <a:moveTo>
+                    <a:pt x="547335" y="2161753"/>
+                  </a:moveTo>
+                  <a:cubicBezTo>
+                    <a:pt x="368369" y="2091844"/>
+                    <a:pt x="189404" y="2021936"/>
+                    <a:pt x="102718" y="1851360"/>
+                  </a:cubicBezTo>
+                  <a:cubicBezTo>
+                    <a:pt x="16032" y="1680784"/>
+                    <a:pt x="-34302" y="1331243"/>
+                    <a:pt x="27217" y="1138296"/>
+                  </a:cubicBezTo>
+                  <a:cubicBezTo>
+                    <a:pt x="88736" y="945349"/>
+                    <a:pt x="301258" y="874042"/>
+                    <a:pt x="471834" y="693679"/>
+                  </a:cubicBezTo>
+                  <a:cubicBezTo>
+                    <a:pt x="642410" y="513316"/>
+                    <a:pt x="952803" y="159580"/>
+                    <a:pt x="1050674" y="56116"/>
+                  </a:cubicBezTo>
+                  <a:cubicBezTo>
+                    <a:pt x="1148545" y="-47348"/>
+                    <a:pt x="1103804" y="12773"/>
+                    <a:pt x="1059063" y="72894"/>
+                  </a:cubicBezTo>
+                </a:path>
+              </a:pathLst>
+            </a:custGeom>
+            <a:noFill/>
+            <a:ln w="28575">
+              <a:solidFill>
+                <a:schemeClr val="tx1">
+                  <a:lumMod val="85000"/>
+                  <a:lumOff val="15000"/>
+                </a:schemeClr>
+              </a:solidFill>
+            </a:ln>
+          </p:spPr>
+          <p:style>
+            <a:lnRef idx="2">
+              <a:schemeClr val="accent1">
+                <a:shade val="50000"/>
+              </a:schemeClr>
+            </a:lnRef>
+            <a:fillRef idx="1">
+              <a:schemeClr val="accent1"/>
+            </a:fillRef>
+            <a:effectRef idx="0">
+              <a:schemeClr val="accent1"/>
+            </a:effectRef>
+            <a:fontRef idx="minor">
+              <a:schemeClr val="lt1"/>
+            </a:fontRef>
+          </p:style>
+          <p:txBody>
+            <a:bodyPr rtlCol="0" anchor="ctr"/>
+            <a:lstStyle/>
+            <a:p>
+              <a:pPr algn="ctr"/>
+              <a:endParaRPr lang="zh-CN" altLang="en-US"/>
+            </a:p>
+          </p:txBody>
+        </p:sp>
+      </p:grpSp>
+      <p:pic>
+        <p:nvPicPr>
+          <p:cNvPr id="22" name="图片 21">
+            <a:extLst>
+              <a:ext uri="{FF2B5EF4-FFF2-40B4-BE49-F238E27FC236}">
+                <a16:creationId xmlns:a16="http://schemas.microsoft.com/office/drawing/2014/main" id="{66762E8E-BE80-F094-ED56-361139A9770E}"/>
+              </a:ext>
+            </a:extLst>
+          </p:cNvPr>
+          <p:cNvPicPr>
+            <a:picLocks noChangeAspect="1"/>
+          </p:cNvPicPr>
+          <p:nvPr/>
+        </p:nvPicPr>
+        <p:blipFill>
+          <a:blip r:embed="rId9"/>
+          <a:stretch>
+            <a:fillRect/>
+          </a:stretch>
+        </p:blipFill>
+        <p:spPr>
+          <a:xfrm>
+            <a:off x="7777756" y="1915144"/>
+            <a:ext cx="2553997" cy="1605444"/>
+          </a:xfrm>
+          <a:prstGeom prst="rect">
+            <a:avLst/>
+          </a:prstGeom>
+        </p:spPr>
+      </p:pic>
+      <p:sp>
+        <p:nvSpPr>
+          <p:cNvPr id="21" name="文本框 20">
+            <a:extLst>
+              <a:ext uri="{FF2B5EF4-FFF2-40B4-BE49-F238E27FC236}">
+                <a16:creationId xmlns:a16="http://schemas.microsoft.com/office/drawing/2014/main" id="{FDD6E5E1-6B06-89CB-5358-86F9D527E285}"/>
+              </a:ext>
+            </a:extLst>
+          </p:cNvPr>
+          <p:cNvSpPr txBox="1"/>
+          <p:nvPr/>
+        </p:nvSpPr>
+        <p:spPr>
+          <a:xfrm>
+            <a:off x="8070209" y="3566774"/>
+            <a:ext cx="2831995" cy="369332"/>
+          </a:xfrm>
+          <a:prstGeom prst="rect">
+            <a:avLst/>
+          </a:prstGeom>
+          <a:noFill/>
+        </p:spPr>
+        <p:txBody>
+          <a:bodyPr wrap="square" rtlCol="0">
+            <a:spAutoFit/>
+          </a:bodyPr>
+          <a:lstStyle/>
+          <a:p>
+            <a:r>
+              <a:rPr lang="en-US" altLang="zh-CN" b="1" i="1" dirty="0"/>
+              <a:t>Montgomery, 1955</a:t>
+            </a:r>
+            <a:endParaRPr lang="zh-CN" altLang="en-US" b="1" i="1" dirty="0"/>
+          </a:p>
+        </p:txBody>
+      </p:sp>
     </p:spTree>
     <p:extLst>
       <p:ext uri="{BB962C8B-B14F-4D97-AF65-F5344CB8AC3E}">

--- a/assets/media/anxiety.pptx
+++ b/assets/media/anxiety.pptx
@@ -3261,8 +3261,8 @@
         </p:blipFill>
         <p:spPr>
           <a:xfrm>
-            <a:off x="7690871" y="271464"/>
-            <a:ext cx="2640882" cy="1605444"/>
+            <a:off x="7690871" y="540995"/>
+            <a:ext cx="2640882" cy="1527988"/>
           </a:xfrm>
           <a:prstGeom prst="rect">
             <a:avLst/>
@@ -3795,8 +3795,8 @@
         </p:blipFill>
         <p:spPr>
           <a:xfrm>
-            <a:off x="7777756" y="1915144"/>
-            <a:ext cx="2553997" cy="1605444"/>
+            <a:off x="7777756" y="2115170"/>
+            <a:ext cx="2553997" cy="1405417"/>
           </a:xfrm>
           <a:prstGeom prst="rect">
             <a:avLst/>

--- a/assets/media/anxiety.pptx
+++ b/assets/media/anxiety.pptx
@@ -3239,36 +3239,6 @@
           </p:txBody>
         </p:sp>
       </p:grpSp>
-      <p:pic>
-        <p:nvPicPr>
-          <p:cNvPr id="19" name="图片 18">
-            <a:extLst>
-              <a:ext uri="{FF2B5EF4-FFF2-40B4-BE49-F238E27FC236}">
-                <a16:creationId xmlns:a16="http://schemas.microsoft.com/office/drawing/2014/main" id="{4206EEDE-D738-C2C8-4747-51B09EEE8A1B}"/>
-              </a:ext>
-            </a:extLst>
-          </p:cNvPr>
-          <p:cNvPicPr>
-            <a:picLocks noChangeAspect="1"/>
-          </p:cNvPicPr>
-          <p:nvPr/>
-        </p:nvPicPr>
-        <p:blipFill>
-          <a:blip r:embed="rId6"/>
-          <a:stretch>
-            <a:fillRect/>
-          </a:stretch>
-        </p:blipFill>
-        <p:spPr>
-          <a:xfrm>
-            <a:off x="7690871" y="540995"/>
-            <a:ext cx="2640882" cy="1527988"/>
-          </a:xfrm>
-          <a:prstGeom prst="rect">
-            <a:avLst/>
-          </a:prstGeom>
-        </p:spPr>
-      </p:pic>
       <p:grpSp>
         <p:nvGrpSpPr>
           <p:cNvPr id="20" name="组合 19">
@@ -3283,7 +3253,7 @@
         </p:nvGrpSpPr>
         <p:grpSpPr>
           <a:xfrm>
-            <a:off x="4155752" y="-78581"/>
+            <a:off x="3950364" y="0"/>
             <a:ext cx="3283544" cy="3750947"/>
             <a:chOff x="4351836" y="-226502"/>
             <a:chExt cx="3283544" cy="3750947"/>
@@ -3344,7 +3314,7 @@
                 <p:nvPr/>
               </p:nvPicPr>
               <p:blipFill>
-                <a:blip r:embed="rId7">
+                <a:blip r:embed="rId6">
                   <a:extLst>
                     <a:ext uri="{28A0092B-C50C-407E-A947-70E740481C1C}">
                       <a14:useLocalDpi xmlns:a14="http://schemas.microsoft.com/office/drawing/2010/main" val="0"/>
@@ -3391,7 +3361,7 @@
                 <p:nvPr/>
               </p:nvPicPr>
               <p:blipFill>
-                <a:blip r:embed="rId8">
+                <a:blip r:embed="rId7">
                   <a:extLst>
                     <a:ext uri="{28A0092B-C50C-407E-A947-70E740481C1C}">
                       <a14:useLocalDpi xmlns:a14="http://schemas.microsoft.com/office/drawing/2010/main" val="0"/>
@@ -3773,42 +3743,228 @@
           </p:txBody>
         </p:sp>
       </p:grpSp>
-      <p:pic>
-        <p:nvPicPr>
-          <p:cNvPr id="22" name="图片 21">
+      <p:grpSp>
+        <p:nvGrpSpPr>
+          <p:cNvPr id="26" name="组合 25">
             <a:extLst>
               <a:ext uri="{FF2B5EF4-FFF2-40B4-BE49-F238E27FC236}">
-                <a16:creationId xmlns:a16="http://schemas.microsoft.com/office/drawing/2014/main" id="{66762E8E-BE80-F094-ED56-361139A9770E}"/>
+                <a16:creationId xmlns:a16="http://schemas.microsoft.com/office/drawing/2014/main" id="{21D65A84-1C9E-B5B3-5666-27A63336465F}"/>
               </a:ext>
             </a:extLst>
           </p:cNvPr>
-          <p:cNvPicPr>
-            <a:picLocks noChangeAspect="1"/>
-          </p:cNvPicPr>
+          <p:cNvGrpSpPr/>
           <p:nvPr/>
-        </p:nvPicPr>
-        <p:blipFill>
-          <a:blip r:embed="rId9"/>
-          <a:stretch>
-            <a:fillRect/>
-          </a:stretch>
-        </p:blipFill>
-        <p:spPr>
+        </p:nvGrpSpPr>
+        <p:grpSpPr>
           <a:xfrm>
-            <a:off x="7777756" y="2115170"/>
-            <a:ext cx="2553997" cy="1405417"/>
+            <a:off x="7038842" y="464552"/>
+            <a:ext cx="3919733" cy="3085431"/>
+            <a:chOff x="7038842" y="464552"/>
+            <a:chExt cx="3919733" cy="3085431"/>
           </a:xfrm>
-          <a:prstGeom prst="rect">
-            <a:avLst/>
-          </a:prstGeom>
-        </p:spPr>
-      </p:pic>
-      <p:sp>
-        <p:nvSpPr>
-          <p:cNvPr id="21" name="文本框 20">
+        </p:grpSpPr>
+        <p:grpSp>
+          <p:nvGrpSpPr>
+            <p:cNvPr id="23" name="组合 22">
+              <a:extLst>
+                <a:ext uri="{FF2B5EF4-FFF2-40B4-BE49-F238E27FC236}">
+                  <a16:creationId xmlns:a16="http://schemas.microsoft.com/office/drawing/2014/main" id="{8886DE42-C954-E5D1-3E3B-D02B150F572A}"/>
+                </a:ext>
+              </a:extLst>
+            </p:cNvPr>
+            <p:cNvGrpSpPr/>
+            <p:nvPr/>
+          </p:nvGrpSpPr>
+          <p:grpSpPr>
+            <a:xfrm>
+              <a:off x="7038842" y="464552"/>
+              <a:ext cx="3758551" cy="3085431"/>
+              <a:chOff x="7038842" y="464552"/>
+              <a:chExt cx="3758551" cy="3085431"/>
+            </a:xfrm>
+          </p:grpSpPr>
+          <p:pic>
+            <p:nvPicPr>
+              <p:cNvPr id="22" name="图片 21">
+                <a:extLst>
+                  <a:ext uri="{FF2B5EF4-FFF2-40B4-BE49-F238E27FC236}">
+                    <a16:creationId xmlns:a16="http://schemas.microsoft.com/office/drawing/2014/main" id="{66762E8E-BE80-F094-ED56-361139A9770E}"/>
+                  </a:ext>
+                </a:extLst>
+              </p:cNvPr>
+              <p:cNvPicPr>
+                <a:picLocks noChangeAspect="1"/>
+              </p:cNvPicPr>
+              <p:nvPr/>
+            </p:nvPicPr>
+            <p:blipFill>
+              <a:blip r:embed="rId8"/>
+              <a:stretch>
+                <a:fillRect/>
+              </a:stretch>
+            </p:blipFill>
+            <p:spPr>
+              <a:xfrm>
+                <a:off x="7438551" y="726162"/>
+                <a:ext cx="3358842" cy="2526063"/>
+              </a:xfrm>
+              <a:prstGeom prst="rect">
+                <a:avLst/>
+              </a:prstGeom>
+            </p:spPr>
+          </p:pic>
+          <p:sp>
+            <p:nvSpPr>
+              <p:cNvPr id="21" name="文本框 20">
+                <a:extLst>
+                  <a:ext uri="{FF2B5EF4-FFF2-40B4-BE49-F238E27FC236}">
+                    <a16:creationId xmlns:a16="http://schemas.microsoft.com/office/drawing/2014/main" id="{FDD6E5E1-6B06-89CB-5358-86F9D527E285}"/>
+                  </a:ext>
+                </a:extLst>
+              </p:cNvPr>
+              <p:cNvSpPr txBox="1"/>
+              <p:nvPr/>
+            </p:nvSpPr>
+            <p:spPr>
+              <a:xfrm>
+                <a:off x="8108157" y="3272984"/>
+                <a:ext cx="1825696" cy="276999"/>
+              </a:xfrm>
+              <a:prstGeom prst="rect">
+                <a:avLst/>
+              </a:prstGeom>
+              <a:noFill/>
+            </p:spPr>
+            <p:txBody>
+              <a:bodyPr wrap="square" rtlCol="0">
+                <a:spAutoFit/>
+              </a:bodyPr>
+              <a:lstStyle/>
+              <a:p>
+                <a:r>
+                  <a:rPr lang="en-US" altLang="zh-CN" sz="1200" b="1" dirty="0"/>
+                  <a:t>Periods of two minutes</a:t>
+                </a:r>
+                <a:endParaRPr lang="zh-CN" altLang="en-US" sz="1200" b="1" dirty="0"/>
+              </a:p>
+            </p:txBody>
+          </p:sp>
+          <p:sp>
+            <p:nvSpPr>
+              <p:cNvPr id="17" name="文本框 16">
+                <a:extLst>
+                  <a:ext uri="{FF2B5EF4-FFF2-40B4-BE49-F238E27FC236}">
+                    <a16:creationId xmlns:a16="http://schemas.microsoft.com/office/drawing/2014/main" id="{6F4A3D9B-F73D-2C17-15DE-21DE76E91544}"/>
+                  </a:ext>
+                </a:extLst>
+              </p:cNvPr>
+              <p:cNvSpPr txBox="1"/>
+              <p:nvPr/>
+            </p:nvSpPr>
+            <p:spPr>
+              <a:xfrm rot="10800000">
+                <a:off x="7038842" y="567043"/>
+                <a:ext cx="353943" cy="2346685"/>
+              </a:xfrm>
+              <a:prstGeom prst="rect">
+                <a:avLst/>
+              </a:prstGeom>
+              <a:noFill/>
+            </p:spPr>
+            <p:txBody>
+              <a:bodyPr vert="eaVert" wrap="square" rtlCol="0">
+                <a:spAutoFit/>
+              </a:bodyPr>
+              <a:lstStyle/>
+              <a:p>
+                <a:r>
+                  <a:rPr lang="en-US" altLang="zh-CN" sz="1100" b="1" dirty="0"/>
+                  <a:t>Mean number of sections traversed</a:t>
+                </a:r>
+                <a:endParaRPr lang="zh-CN" altLang="en-US" sz="1100" b="1" dirty="0"/>
+              </a:p>
+            </p:txBody>
+          </p:sp>
+          <p:sp>
+            <p:nvSpPr>
+              <p:cNvPr id="25" name="文本框 24">
+                <a:extLst>
+                  <a:ext uri="{FF2B5EF4-FFF2-40B4-BE49-F238E27FC236}">
+                    <a16:creationId xmlns:a16="http://schemas.microsoft.com/office/drawing/2014/main" id="{8606C94F-13A6-D200-6CE4-28668E93FF51}"/>
+                  </a:ext>
+                </a:extLst>
+              </p:cNvPr>
+              <p:cNvSpPr txBox="1"/>
+              <p:nvPr/>
+            </p:nvSpPr>
+            <p:spPr>
+              <a:xfrm>
+                <a:off x="7929181" y="464552"/>
+                <a:ext cx="2581035" cy="261610"/>
+              </a:xfrm>
+              <a:prstGeom prst="rect">
+                <a:avLst/>
+              </a:prstGeom>
+              <a:noFill/>
+            </p:spPr>
+            <p:txBody>
+              <a:bodyPr wrap="square" rtlCol="0">
+                <a:spAutoFit/>
+              </a:bodyPr>
+              <a:lstStyle/>
+              <a:p>
+                <a:r>
+                  <a:rPr lang="en-US" altLang="zh-CN" sz="1100" b="1" dirty="0"/>
+                  <a:t>Day 1                      Day  2                   Day  3  </a:t>
+                </a:r>
+                <a:endParaRPr lang="zh-CN" altLang="en-US" sz="1100" b="1" dirty="0"/>
+              </a:p>
+            </p:txBody>
+          </p:sp>
+        </p:grpSp>
+        <p:sp>
+          <p:nvSpPr>
+            <p:cNvPr id="24" name="文本框 23">
+              <a:extLst>
+                <a:ext uri="{FF2B5EF4-FFF2-40B4-BE49-F238E27FC236}">
+                  <a16:creationId xmlns:a16="http://schemas.microsoft.com/office/drawing/2014/main" id="{16D705DE-F204-5100-BCE1-F642C6726F87}"/>
+                </a:ext>
+              </a:extLst>
+            </p:cNvPr>
+            <p:cNvSpPr txBox="1"/>
+            <p:nvPr/>
+          </p:nvSpPr>
+          <p:spPr>
+            <a:xfrm rot="5400000">
+              <a:off x="9580126" y="2048468"/>
+              <a:ext cx="2526065" cy="230832"/>
+            </a:xfrm>
+            <a:prstGeom prst="rect">
+              <a:avLst/>
+            </a:prstGeom>
+            <a:noFill/>
+          </p:spPr>
+          <p:txBody>
+            <a:bodyPr wrap="square" rtlCol="0">
+              <a:spAutoFit/>
+            </a:bodyPr>
+            <a:lstStyle/>
+            <a:p>
+              <a:r>
+                <a:rPr lang="en-US" altLang="zh-CN" sz="900" b="1" dirty="0"/>
+                <a:t>Enclosed group                                 Elevated group</a:t>
+              </a:r>
+              <a:endParaRPr lang="zh-CN" altLang="en-US" sz="900" b="1" dirty="0"/>
+            </a:p>
+          </p:txBody>
+        </p:sp>
+      </p:grpSp>
+      <p:sp>
+        <p:nvSpPr>
+          <p:cNvPr id="27" name="文本框 26">
             <a:extLst>
               <a:ext uri="{FF2B5EF4-FFF2-40B4-BE49-F238E27FC236}">
-                <a16:creationId xmlns:a16="http://schemas.microsoft.com/office/drawing/2014/main" id="{FDD6E5E1-6B06-89CB-5358-86F9D527E285}"/>
+                <a16:creationId xmlns:a16="http://schemas.microsoft.com/office/drawing/2014/main" id="{8519768D-AC68-A68D-BB1E-8A03BECF7F3D}"/>
               </a:ext>
             </a:extLst>
           </p:cNvPr>
@@ -3817,8 +3973,8 @@
         </p:nvSpPr>
         <p:spPr>
           <a:xfrm>
-            <a:off x="8070209" y="3566774"/>
-            <a:ext cx="2831995" cy="369332"/>
+            <a:off x="7680745" y="3549983"/>
+            <a:ext cx="2491272" cy="400110"/>
           </a:xfrm>
           <a:prstGeom prst="rect">
             <a:avLst/>
@@ -3832,10 +3988,28 @@
           <a:lstStyle/>
           <a:p>
             <a:r>
-              <a:rPr lang="en-US" altLang="zh-CN" b="1" i="1" dirty="0"/>
-              <a:t>Montgomery, 1955</a:t>
-            </a:r>
-            <a:endParaRPr lang="zh-CN" altLang="en-US" b="1" i="1" dirty="0"/>
+              <a:rPr lang="en-US" altLang="zh-CN" sz="1000" b="1" dirty="0">
+                <a:solidFill>
+                  <a:schemeClr val="accent1"/>
+                </a:solidFill>
+              </a:rPr>
+              <a:t>-Behavior records from (Montgomery, 1955)</a:t>
+            </a:r>
+          </a:p>
+          <a:p>
+            <a:r>
+              <a:rPr lang="en-US" altLang="zh-CN" sz="1000" b="1" dirty="0">
+                <a:solidFill>
+                  <a:schemeClr val="accent2"/>
+                </a:solidFill>
+              </a:rPr>
+              <a:t>-Our model prediction</a:t>
+            </a:r>
+            <a:endParaRPr lang="zh-CN" altLang="en-US" sz="1000" b="1" dirty="0">
+              <a:solidFill>
+                <a:schemeClr val="accent2"/>
+              </a:solidFill>
+            </a:endParaRPr>
           </a:p>
         </p:txBody>
       </p:sp>

--- a/assets/media/anxiety.pptx
+++ b/assets/media/anxiety.pptx
@@ -243,7 +243,7 @@
           <a:p>
             <a:fld id="{4E060E1D-A4A4-4902-AF8B-E8951BA54CFF}" type="datetimeFigureOut">
               <a:rPr lang="zh-CN" altLang="en-US" smtClean="0"/>
-              <a:t>2022/6/23</a:t>
+              <a:t>2022/6/30</a:t>
             </a:fld>
             <a:endParaRPr lang="zh-CN" altLang="en-US"/>
           </a:p>
@@ -413,7 +413,7 @@
           <a:p>
             <a:fld id="{4E060E1D-A4A4-4902-AF8B-E8951BA54CFF}" type="datetimeFigureOut">
               <a:rPr lang="zh-CN" altLang="en-US" smtClean="0"/>
-              <a:t>2022/6/23</a:t>
+              <a:t>2022/6/30</a:t>
             </a:fld>
             <a:endParaRPr lang="zh-CN" altLang="en-US"/>
           </a:p>
@@ -593,7 +593,7 @@
           <a:p>
             <a:fld id="{4E060E1D-A4A4-4902-AF8B-E8951BA54CFF}" type="datetimeFigureOut">
               <a:rPr lang="zh-CN" altLang="en-US" smtClean="0"/>
-              <a:t>2022/6/23</a:t>
+              <a:t>2022/6/30</a:t>
             </a:fld>
             <a:endParaRPr lang="zh-CN" altLang="en-US"/>
           </a:p>
@@ -763,7 +763,7 @@
           <a:p>
             <a:fld id="{4E060E1D-A4A4-4902-AF8B-E8951BA54CFF}" type="datetimeFigureOut">
               <a:rPr lang="zh-CN" altLang="en-US" smtClean="0"/>
-              <a:t>2022/6/23</a:t>
+              <a:t>2022/6/30</a:t>
             </a:fld>
             <a:endParaRPr lang="zh-CN" altLang="en-US"/>
           </a:p>
@@ -1009,7 +1009,7 @@
           <a:p>
             <a:fld id="{4E060E1D-A4A4-4902-AF8B-E8951BA54CFF}" type="datetimeFigureOut">
               <a:rPr lang="zh-CN" altLang="en-US" smtClean="0"/>
-              <a:t>2022/6/23</a:t>
+              <a:t>2022/6/30</a:t>
             </a:fld>
             <a:endParaRPr lang="zh-CN" altLang="en-US"/>
           </a:p>
@@ -1241,7 +1241,7 @@
           <a:p>
             <a:fld id="{4E060E1D-A4A4-4902-AF8B-E8951BA54CFF}" type="datetimeFigureOut">
               <a:rPr lang="zh-CN" altLang="en-US" smtClean="0"/>
-              <a:t>2022/6/23</a:t>
+              <a:t>2022/6/30</a:t>
             </a:fld>
             <a:endParaRPr lang="zh-CN" altLang="en-US"/>
           </a:p>
@@ -1608,7 +1608,7 @@
           <a:p>
             <a:fld id="{4E060E1D-A4A4-4902-AF8B-E8951BA54CFF}" type="datetimeFigureOut">
               <a:rPr lang="zh-CN" altLang="en-US" smtClean="0"/>
-              <a:t>2022/6/23</a:t>
+              <a:t>2022/6/30</a:t>
             </a:fld>
             <a:endParaRPr lang="zh-CN" altLang="en-US"/>
           </a:p>
@@ -1726,7 +1726,7 @@
           <a:p>
             <a:fld id="{4E060E1D-A4A4-4902-AF8B-E8951BA54CFF}" type="datetimeFigureOut">
               <a:rPr lang="zh-CN" altLang="en-US" smtClean="0"/>
-              <a:t>2022/6/23</a:t>
+              <a:t>2022/6/30</a:t>
             </a:fld>
             <a:endParaRPr lang="zh-CN" altLang="en-US"/>
           </a:p>
@@ -1821,7 +1821,7 @@
           <a:p>
             <a:fld id="{4E060E1D-A4A4-4902-AF8B-E8951BA54CFF}" type="datetimeFigureOut">
               <a:rPr lang="zh-CN" altLang="en-US" smtClean="0"/>
-              <a:t>2022/6/23</a:t>
+              <a:t>2022/6/30</a:t>
             </a:fld>
             <a:endParaRPr lang="zh-CN" altLang="en-US"/>
           </a:p>
@@ -2098,7 +2098,7 @@
           <a:p>
             <a:fld id="{4E060E1D-A4A4-4902-AF8B-E8951BA54CFF}" type="datetimeFigureOut">
               <a:rPr lang="zh-CN" altLang="en-US" smtClean="0"/>
-              <a:t>2022/6/23</a:t>
+              <a:t>2022/6/30</a:t>
             </a:fld>
             <a:endParaRPr lang="zh-CN" altLang="en-US"/>
           </a:p>
@@ -2355,7 +2355,7 @@
           <a:p>
             <a:fld id="{4E060E1D-A4A4-4902-AF8B-E8951BA54CFF}" type="datetimeFigureOut">
               <a:rPr lang="zh-CN" altLang="en-US" smtClean="0"/>
-              <a:t>2022/6/23</a:t>
+              <a:t>2022/6/30</a:t>
             </a:fld>
             <a:endParaRPr lang="zh-CN" altLang="en-US"/>
           </a:p>
@@ -2568,7 +2568,7 @@
           <a:p>
             <a:fld id="{4E060E1D-A4A4-4902-AF8B-E8951BA54CFF}" type="datetimeFigureOut">
               <a:rPr lang="zh-CN" altLang="en-US" smtClean="0"/>
-              <a:t>2022/6/23</a:t>
+              <a:t>2022/6/30</a:t>
             </a:fld>
             <a:endParaRPr lang="zh-CN" altLang="en-US"/>
           </a:p>
@@ -2973,6 +2973,42 @@
           <a:chExt cx="0" cy="0"/>
         </a:xfrm>
       </p:grpSpPr>
+      <p:pic>
+        <p:nvPicPr>
+          <p:cNvPr id="41" name="图片 40">
+            <a:extLst>
+              <a:ext uri="{FF2B5EF4-FFF2-40B4-BE49-F238E27FC236}">
+                <a16:creationId xmlns:a16="http://schemas.microsoft.com/office/drawing/2014/main" id="{A1EDD13E-D57E-FD8D-6A5A-3E6C035E28C7}"/>
+              </a:ext>
+            </a:extLst>
+          </p:cNvPr>
+          <p:cNvPicPr>
+            <a:picLocks noChangeAspect="1"/>
+          </p:cNvPicPr>
+          <p:nvPr/>
+        </p:nvPicPr>
+        <p:blipFill>
+          <a:blip r:embed="rId2">
+            <a:extLst>
+              <a:ext uri="{28A0092B-C50C-407E-A947-70E740481C1C}">
+                <a14:useLocalDpi xmlns:a14="http://schemas.microsoft.com/office/drawing/2010/main" val="0"/>
+              </a:ext>
+            </a:extLst>
+          </a:blip>
+          <a:stretch>
+            <a:fillRect/>
+          </a:stretch>
+        </p:blipFill>
+        <p:spPr>
+          <a:xfrm>
+            <a:off x="159152" y="465395"/>
+            <a:ext cx="3289629" cy="3289629"/>
+          </a:xfrm>
+          <a:prstGeom prst="rect">
+            <a:avLst/>
+          </a:prstGeom>
+        </p:spPr>
+      </p:pic>
       <p:grpSp>
         <p:nvGrpSpPr>
           <p:cNvPr id="2" name="组合 1">
@@ -2987,10 +3023,10 @@
         </p:nvGrpSpPr>
         <p:grpSpPr>
           <a:xfrm>
-            <a:off x="2689" y="540995"/>
-            <a:ext cx="3875054" cy="3256648"/>
+            <a:off x="7105481" y="469826"/>
+            <a:ext cx="3875054" cy="3233180"/>
             <a:chOff x="4493373" y="541603"/>
-            <a:chExt cx="4134363" cy="3421707"/>
+            <a:chExt cx="4134363" cy="3397050"/>
           </a:xfrm>
         </p:grpSpPr>
         <p:pic>
@@ -3008,15 +3044,15 @@
             <p:nvPr/>
           </p:nvPicPr>
           <p:blipFill>
-            <a:blip r:embed="rId2"/>
+            <a:blip r:embed="rId3"/>
             <a:stretch>
               <a:fillRect/>
             </a:stretch>
           </p:blipFill>
           <p:spPr>
             <a:xfrm>
-              <a:off x="4817066" y="2269760"/>
-              <a:ext cx="3698049" cy="1693550"/>
+              <a:off x="4772701" y="2674383"/>
+              <a:ext cx="3698049" cy="1264270"/>
             </a:xfrm>
             <a:prstGeom prst="rect">
               <a:avLst/>
@@ -3038,7 +3074,7 @@
             <p:nvPr/>
           </p:nvPicPr>
           <p:blipFill>
-            <a:blip r:embed="rId3"/>
+            <a:blip r:embed="rId4"/>
             <a:stretch>
               <a:fillRect/>
             </a:stretch>
@@ -3068,14 +3104,14 @@
             <p:nvPr/>
           </p:nvPicPr>
           <p:blipFill>
-            <a:blip r:embed="rId4"/>
+            <a:blip r:embed="rId5"/>
             <a:stretch>
               <a:fillRect/>
             </a:stretch>
           </p:blipFill>
           <p:spPr>
             <a:xfrm>
-              <a:off x="5775578" y="830054"/>
+              <a:off x="5773642" y="806366"/>
               <a:ext cx="1339891" cy="1365511"/>
             </a:xfrm>
             <a:prstGeom prst="rect">
@@ -3098,7 +3134,7 @@
             <p:nvPr/>
           </p:nvPicPr>
           <p:blipFill>
-            <a:blip r:embed="rId5">
+            <a:blip r:embed="rId6">
               <a:extLst>
                 <a:ext uri="{28A0092B-C50C-407E-A947-70E740481C1C}">
                   <a14:useLocalDpi xmlns:a14="http://schemas.microsoft.com/office/drawing/2010/main" val="0"/>
@@ -3241,10 +3277,10 @@
       </p:grpSp>
       <p:grpSp>
         <p:nvGrpSpPr>
-          <p:cNvPr id="20" name="组合 19">
+          <p:cNvPr id="37" name="组合 36">
             <a:extLst>
               <a:ext uri="{FF2B5EF4-FFF2-40B4-BE49-F238E27FC236}">
-                <a16:creationId xmlns:a16="http://schemas.microsoft.com/office/drawing/2014/main" id="{D3201CD9-EB0F-5C5A-2DFD-CF138595ACF2}"/>
+                <a16:creationId xmlns:a16="http://schemas.microsoft.com/office/drawing/2014/main" id="{D8F14774-74EC-A655-296C-5D95B5F08868}"/>
               </a:ext>
             </a:extLst>
           </p:cNvPr>
@@ -3253,18 +3289,118 @@
         </p:nvGrpSpPr>
         <p:grpSpPr>
           <a:xfrm>
-            <a:off x="3950364" y="0"/>
-            <a:ext cx="3283544" cy="3750947"/>
-            <a:chOff x="4351836" y="-226502"/>
-            <a:chExt cx="3283544" cy="3750947"/>
+            <a:off x="3799425" y="-159391"/>
+            <a:ext cx="4915866" cy="3643305"/>
+            <a:chOff x="4049072" y="-333634"/>
+            <a:chExt cx="4905791" cy="3950455"/>
           </a:xfrm>
         </p:grpSpPr>
+        <p:pic>
+          <p:nvPicPr>
+            <p:cNvPr id="1028" name="Picture 4" descr="Mouse Brain Sagittal - Rat Brain Cartoon (1280x614), Png Download">
+              <a:extLst>
+                <a:ext uri="{FF2B5EF4-FFF2-40B4-BE49-F238E27FC236}">
+                  <a16:creationId xmlns:a16="http://schemas.microsoft.com/office/drawing/2014/main" id="{68130B80-8E41-EB39-8B8A-95EC3F3E0C27}"/>
+                </a:ext>
+              </a:extLst>
+            </p:cNvPr>
+            <p:cNvPicPr>
+              <a:picLocks noChangeAspect="1" noChangeArrowheads="1"/>
+            </p:cNvPicPr>
+            <p:nvPr/>
+          </p:nvPicPr>
+          <p:blipFill>
+            <a:blip r:embed="rId7">
+              <a:extLst>
+                <a:ext uri="{28A0092B-C50C-407E-A947-70E740481C1C}">
+                  <a14:useLocalDpi xmlns:a14="http://schemas.microsoft.com/office/drawing/2010/main" val="0"/>
+                </a:ext>
+              </a:extLst>
+            </a:blip>
+            <a:srcRect/>
+            <a:stretch>
+              <a:fillRect/>
+            </a:stretch>
+          </p:blipFill>
+          <p:spPr bwMode="auto">
+            <a:xfrm rot="18079634">
+              <a:off x="4480049" y="2498303"/>
+              <a:ext cx="1013081" cy="409411"/>
+            </a:xfrm>
+            <a:prstGeom prst="rect">
+              <a:avLst/>
+            </a:prstGeom>
+            <a:blipFill>
+              <a:blip r:embed="rId8">
+                <a:alphaModFix amt="43000"/>
+              </a:blip>
+              <a:stretch>
+                <a:fillRect/>
+              </a:stretch>
+            </a:blipFill>
+            <a:effectLst>
+              <a:glow rad="127000">
+                <a:schemeClr val="accent1">
+                  <a:alpha val="0"/>
+                </a:schemeClr>
+              </a:glow>
+              <a:reflection stA="0" endPos="65000" dist="50800" dir="5400000" sy="-100000" algn="bl" rotWithShape="0"/>
+            </a:effectLst>
+          </p:spPr>
+        </p:pic>
+        <p:pic>
+          <p:nvPicPr>
+            <p:cNvPr id="1030" name="Picture 6">
+              <a:extLst>
+                <a:ext uri="{FF2B5EF4-FFF2-40B4-BE49-F238E27FC236}">
+                  <a16:creationId xmlns:a16="http://schemas.microsoft.com/office/drawing/2014/main" id="{17E69967-D029-E5B8-D8C3-75F54A51E44E}"/>
+                </a:ext>
+              </a:extLst>
+            </p:cNvPr>
+            <p:cNvPicPr>
+              <a:picLocks noChangeAspect="1" noChangeArrowheads="1"/>
+            </p:cNvPicPr>
+            <p:nvPr/>
+          </p:nvPicPr>
+          <p:blipFill>
+            <a:blip r:embed="rId9">
+              <a:extLst>
+                <a:ext uri="{28A0092B-C50C-407E-A947-70E740481C1C}">
+                  <a14:useLocalDpi xmlns:a14="http://schemas.microsoft.com/office/drawing/2010/main" val="0"/>
+                </a:ext>
+              </a:extLst>
+            </a:blip>
+            <a:srcRect/>
+            <a:stretch>
+              <a:fillRect/>
+            </a:stretch>
+          </p:blipFill>
+          <p:spPr bwMode="auto">
+            <a:xfrm>
+              <a:off x="4297761" y="1266339"/>
+              <a:ext cx="4657102" cy="2350482"/>
+            </a:xfrm>
+            <a:prstGeom prst="rect">
+              <a:avLst/>
+            </a:prstGeom>
+            <a:noFill/>
+            <a:extLst>
+              <a:ext uri="{909E8E84-426E-40DD-AFC4-6F175D3DCCD1}">
+                <a14:hiddenFill xmlns:a14="http://schemas.microsoft.com/office/drawing/2010/main">
+                  <a:solidFill>
+                    <a:srgbClr val="FFFFFF"/>
+                  </a:solidFill>
+                </a14:hiddenFill>
+              </a:ext>
+            </a:extLst>
+          </p:spPr>
+        </p:pic>
         <p:grpSp>
           <p:nvGrpSpPr>
-            <p:cNvPr id="15" name="组合 14">
+            <p:cNvPr id="10" name="组合 9">
               <a:extLst>
                 <a:ext uri="{FF2B5EF4-FFF2-40B4-BE49-F238E27FC236}">
-                  <a16:creationId xmlns:a16="http://schemas.microsoft.com/office/drawing/2014/main" id="{0B75FF70-85A0-211C-7FF9-F26A33DB79E2}"/>
+                  <a16:creationId xmlns:a16="http://schemas.microsoft.com/office/drawing/2014/main" id="{D1E68AA7-3287-328A-31B2-D4828B53FE0A}"/>
                 </a:ext>
               </a:extLst>
             </p:cNvPr>
@@ -3272,19 +3408,19 @@
             <p:nvPr/>
           </p:nvGrpSpPr>
           <p:grpSpPr>
-            <a:xfrm>
-              <a:off x="4566854" y="1668594"/>
-              <a:ext cx="3068526" cy="1855851"/>
-              <a:chOff x="4660349" y="2086419"/>
-              <a:chExt cx="2825900" cy="1832310"/>
+            <a:xfrm rot="20773239">
+              <a:off x="4550477" y="2645381"/>
+              <a:ext cx="305424" cy="231386"/>
+              <a:chOff x="4657991" y="1360873"/>
+              <a:chExt cx="281274" cy="228451"/>
             </a:xfrm>
           </p:grpSpPr>
           <p:grpSp>
             <p:nvGrpSpPr>
-              <p:cNvPr id="3" name="组合 2">
+              <p:cNvPr id="5" name="组合 4">
                 <a:extLst>
                   <a:ext uri="{FF2B5EF4-FFF2-40B4-BE49-F238E27FC236}">
-                    <a16:creationId xmlns:a16="http://schemas.microsoft.com/office/drawing/2014/main" id="{C384E26F-3A05-4568-935D-B69C25F392F3}"/>
+                    <a16:creationId xmlns:a16="http://schemas.microsoft.com/office/drawing/2014/main" id="{FFEAF2FB-E613-D0E9-71F3-2C0A710DCF15}"/>
                   </a:ext>
                 </a:extLst>
               </p:cNvPr>
@@ -3293,268 +3429,18 @@
             </p:nvGrpSpPr>
             <p:grpSpPr>
               <a:xfrm>
-                <a:off x="4660349" y="2086419"/>
-                <a:ext cx="2825900" cy="1832310"/>
-                <a:chOff x="4356507" y="1445135"/>
-                <a:chExt cx="2825900" cy="1832310"/>
+                <a:off x="4657991" y="1360873"/>
+                <a:ext cx="271027" cy="219168"/>
+                <a:chOff x="4791793" y="870609"/>
+                <a:chExt cx="271027" cy="219168"/>
               </a:xfrm>
             </p:grpSpPr>
-            <p:pic>
-              <p:nvPicPr>
-                <p:cNvPr id="1028" name="Picture 4" descr="Mouse Brain Sagittal - Rat Brain Cartoon (1280x614), Png Download">
+            <p:sp>
+              <p:nvSpPr>
+                <p:cNvPr id="4" name="矩形 3">
                   <a:extLst>
                     <a:ext uri="{FF2B5EF4-FFF2-40B4-BE49-F238E27FC236}">
-                      <a16:creationId xmlns:a16="http://schemas.microsoft.com/office/drawing/2014/main" id="{68130B80-8E41-EB39-8B8A-95EC3F3E0C27}"/>
-                    </a:ext>
-                  </a:extLst>
-                </p:cNvPr>
-                <p:cNvPicPr>
-                  <a:picLocks noChangeAspect="1" noChangeArrowheads="1"/>
-                </p:cNvPicPr>
-                <p:nvPr/>
-              </p:nvPicPr>
-              <p:blipFill>
-                <a:blip r:embed="rId6">
-                  <a:extLst>
-                    <a:ext uri="{28A0092B-C50C-407E-A947-70E740481C1C}">
-                      <a14:useLocalDpi xmlns:a14="http://schemas.microsoft.com/office/drawing/2010/main" val="0"/>
-                    </a:ext>
-                  </a:extLst>
-                </a:blip>
-                <a:srcRect/>
-                <a:stretch>
-                  <a:fillRect/>
-                </a:stretch>
-              </p:blipFill>
-              <p:spPr bwMode="auto">
-                <a:xfrm rot="19800376">
-                  <a:off x="4615492" y="1812098"/>
-                  <a:ext cx="742888" cy="320683"/>
-                </a:xfrm>
-                <a:prstGeom prst="rect">
-                  <a:avLst/>
-                </a:prstGeom>
-                <a:noFill/>
-                <a:extLst>
-                  <a:ext uri="{909E8E84-426E-40DD-AFC4-6F175D3DCCD1}">
-                    <a14:hiddenFill xmlns:a14="http://schemas.microsoft.com/office/drawing/2010/main">
-                      <a:solidFill>
-                        <a:srgbClr val="FFFFFF"/>
-                      </a:solidFill>
-                    </a14:hiddenFill>
-                  </a:ext>
-                </a:extLst>
-              </p:spPr>
-            </p:pic>
-            <p:pic>
-              <p:nvPicPr>
-                <p:cNvPr id="1026" name="Picture 2" descr="Laboratory mouse - Wikipedia">
-                  <a:extLst>
-                    <a:ext uri="{FF2B5EF4-FFF2-40B4-BE49-F238E27FC236}">
-                      <a16:creationId xmlns:a16="http://schemas.microsoft.com/office/drawing/2014/main" id="{81B232A2-9E40-B39F-2E0B-0AE9FDEA306A}"/>
-                    </a:ext>
-                  </a:extLst>
-                </p:cNvPr>
-                <p:cNvPicPr>
-                  <a:picLocks noChangeAspect="1" noChangeArrowheads="1"/>
-                </p:cNvPicPr>
-                <p:nvPr/>
-              </p:nvPicPr>
-              <p:blipFill>
-                <a:blip r:embed="rId7">
-                  <a:extLst>
-                    <a:ext uri="{28A0092B-C50C-407E-A947-70E740481C1C}">
-                      <a14:useLocalDpi xmlns:a14="http://schemas.microsoft.com/office/drawing/2010/main" val="0"/>
-                    </a:ext>
-                  </a:extLst>
-                </a:blip>
-                <a:srcRect/>
-                <a:stretch>
-                  <a:fillRect/>
-                </a:stretch>
-              </p:blipFill>
-              <p:spPr bwMode="auto">
-                <a:xfrm>
-                  <a:off x="4356507" y="1445135"/>
-                  <a:ext cx="2825900" cy="1832310"/>
-                </a:xfrm>
-                <a:prstGeom prst="rect">
-                  <a:avLst/>
-                </a:prstGeom>
-                <a:noFill/>
-                <a:extLst>
-                  <a:ext uri="{909E8E84-426E-40DD-AFC4-6F175D3DCCD1}">
-                    <a14:hiddenFill xmlns:a14="http://schemas.microsoft.com/office/drawing/2010/main">
-                      <a:solidFill>
-                        <a:srgbClr val="FFFFFF"/>
-                      </a:solidFill>
-                    </a14:hiddenFill>
-                  </a:ext>
-                </a:extLst>
-              </p:spPr>
-            </p:pic>
-          </p:grpSp>
-          <p:grpSp>
-            <p:nvGrpSpPr>
-              <p:cNvPr id="10" name="组合 9">
-                <a:extLst>
-                  <a:ext uri="{FF2B5EF4-FFF2-40B4-BE49-F238E27FC236}">
-                    <a16:creationId xmlns:a16="http://schemas.microsoft.com/office/drawing/2014/main" id="{D1E68AA7-3287-328A-31B2-D4828B53FE0A}"/>
-                  </a:ext>
-                </a:extLst>
-              </p:cNvPr>
-              <p:cNvGrpSpPr/>
-              <p:nvPr/>
-            </p:nvGrpSpPr>
-            <p:grpSpPr>
-              <a:xfrm>
-                <a:off x="4888922" y="2499497"/>
-                <a:ext cx="281274" cy="228451"/>
-                <a:chOff x="4657991" y="1360873"/>
-                <a:chExt cx="281274" cy="228451"/>
-              </a:xfrm>
-            </p:grpSpPr>
-            <p:grpSp>
-              <p:nvGrpSpPr>
-                <p:cNvPr id="5" name="组合 4">
-                  <a:extLst>
-                    <a:ext uri="{FF2B5EF4-FFF2-40B4-BE49-F238E27FC236}">
-                      <a16:creationId xmlns:a16="http://schemas.microsoft.com/office/drawing/2014/main" id="{FFEAF2FB-E613-D0E9-71F3-2C0A710DCF15}"/>
-                    </a:ext>
-                  </a:extLst>
-                </p:cNvPr>
-                <p:cNvGrpSpPr/>
-                <p:nvPr/>
-              </p:nvGrpSpPr>
-              <p:grpSpPr>
-                <a:xfrm>
-                  <a:off x="4657991" y="1360873"/>
-                  <a:ext cx="271027" cy="219168"/>
-                  <a:chOff x="4791793" y="870609"/>
-                  <a:chExt cx="271027" cy="219168"/>
-                </a:xfrm>
-              </p:grpSpPr>
-              <p:sp>
-                <p:nvSpPr>
-                  <p:cNvPr id="4" name="矩形 3">
-                    <a:extLst>
-                      <a:ext uri="{FF2B5EF4-FFF2-40B4-BE49-F238E27FC236}">
-                        <a16:creationId xmlns:a16="http://schemas.microsoft.com/office/drawing/2014/main" id="{B6ABB931-3AEB-DB05-4776-55AC5842F42F}"/>
-                      </a:ext>
-                    </a:extLst>
-                  </p:cNvPr>
-                  <p:cNvSpPr/>
-                  <p:nvPr/>
-                </p:nvSpPr>
-                <p:spPr>
-                  <a:xfrm rot="19527827">
-                    <a:off x="4957810" y="899103"/>
-                    <a:ext cx="45719" cy="190674"/>
-                  </a:xfrm>
-                  <a:prstGeom prst="rect">
-                    <a:avLst/>
-                  </a:prstGeom>
-                  <a:solidFill>
-                    <a:schemeClr val="accent5">
-                      <a:lumMod val="40000"/>
-                      <a:lumOff val="60000"/>
-                    </a:schemeClr>
-                  </a:solidFill>
-                  <a:ln>
-                    <a:solidFill>
-                      <a:schemeClr val="accent1"/>
-                    </a:solidFill>
-                  </a:ln>
-                </p:spPr>
-                <p:style>
-                  <a:lnRef idx="2">
-                    <a:schemeClr val="accent1">
-                      <a:shade val="50000"/>
-                    </a:schemeClr>
-                  </a:lnRef>
-                  <a:fillRef idx="1">
-                    <a:schemeClr val="accent1"/>
-                  </a:fillRef>
-                  <a:effectRef idx="0">
-                    <a:schemeClr val="accent1"/>
-                  </a:effectRef>
-                  <a:fontRef idx="minor">
-                    <a:schemeClr val="lt1"/>
-                  </a:fontRef>
-                </p:style>
-                <p:txBody>
-                  <a:bodyPr rtlCol="0" anchor="ctr"/>
-                  <a:lstStyle/>
-                  <a:p>
-                    <a:pPr algn="ctr"/>
-                    <a:endParaRPr lang="zh-CN" altLang="en-US"/>
-                  </a:p>
-                </p:txBody>
-              </p:sp>
-              <p:sp>
-                <p:nvSpPr>
-                  <p:cNvPr id="16" name="矩形 15">
-                    <a:extLst>
-                      <a:ext uri="{FF2B5EF4-FFF2-40B4-BE49-F238E27FC236}">
-                        <a16:creationId xmlns:a16="http://schemas.microsoft.com/office/drawing/2014/main" id="{0568E88E-4B7A-BF95-9474-9F6F069E5B08}"/>
-                      </a:ext>
-                    </a:extLst>
-                  </p:cNvPr>
-                  <p:cNvSpPr/>
-                  <p:nvPr/>
-                </p:nvSpPr>
-                <p:spPr>
-                  <a:xfrm rot="19527827">
-                    <a:off x="4791793" y="870609"/>
-                    <a:ext cx="271027" cy="51546"/>
-                  </a:xfrm>
-                  <a:prstGeom prst="rect">
-                    <a:avLst/>
-                  </a:prstGeom>
-                  <a:solidFill>
-                    <a:schemeClr val="tx1">
-                      <a:lumMod val="95000"/>
-                      <a:lumOff val="5000"/>
-                    </a:schemeClr>
-                  </a:solidFill>
-                  <a:ln>
-                    <a:solidFill>
-                      <a:schemeClr val="tx1"/>
-                    </a:solidFill>
-                  </a:ln>
-                </p:spPr>
-                <p:style>
-                  <a:lnRef idx="2">
-                    <a:schemeClr val="accent1">
-                      <a:shade val="50000"/>
-                    </a:schemeClr>
-                  </a:lnRef>
-                  <a:fillRef idx="1">
-                    <a:schemeClr val="accent1"/>
-                  </a:fillRef>
-                  <a:effectRef idx="0">
-                    <a:schemeClr val="accent1"/>
-                  </a:effectRef>
-                  <a:fontRef idx="minor">
-                    <a:schemeClr val="lt1"/>
-                  </a:fontRef>
-                </p:style>
-                <p:txBody>
-                  <a:bodyPr rtlCol="0" anchor="ctr"/>
-                  <a:lstStyle/>
-                  <a:p>
-                    <a:pPr algn="ctr"/>
-                    <a:endParaRPr lang="zh-CN" altLang="en-US"/>
-                  </a:p>
-                </p:txBody>
-              </p:sp>
-            </p:grpSp>
-            <p:sp>
-              <p:nvSpPr>
-                <p:cNvPr id="7" name="椭圆 6">
-                  <a:extLst>
-                    <a:ext uri="{FF2B5EF4-FFF2-40B4-BE49-F238E27FC236}">
-                      <a16:creationId xmlns:a16="http://schemas.microsoft.com/office/drawing/2014/main" id="{42FE8EAF-E687-B794-16D2-85546F96A216}"/>
+                      <a16:creationId xmlns:a16="http://schemas.microsoft.com/office/drawing/2014/main" id="{B6ABB931-3AEB-DB05-4776-55AC5842F42F}"/>
                     </a:ext>
                   </a:extLst>
                 </p:cNvPr>
@@ -3562,34 +3448,80 @@
                 <p:nvPr/>
               </p:nvSpPr>
               <p:spPr>
-                <a:xfrm>
-                  <a:off x="4793504" y="1434766"/>
-                  <a:ext cx="145761" cy="154558"/>
+                <a:xfrm rot="19527827">
+                  <a:off x="4957810" y="899103"/>
+                  <a:ext cx="45719" cy="190674"/>
                 </a:xfrm>
-                <a:prstGeom prst="ellipse">
+                <a:prstGeom prst="rect">
                   <a:avLst/>
                 </a:prstGeom>
-                <a:gradFill flip="none" rotWithShape="1">
-                  <a:gsLst>
-                    <a:gs pos="78000">
-                      <a:schemeClr val="accent6">
-                        <a:lumMod val="75000"/>
-                        <a:alpha val="27000"/>
-                      </a:schemeClr>
-                    </a:gs>
-                    <a:gs pos="21000">
-                      <a:schemeClr val="accent6">
-                        <a:lumMod val="70000"/>
-                      </a:schemeClr>
-                    </a:gs>
-                  </a:gsLst>
-                  <a:path path="circle">
-                    <a:fillToRect l="50000" t="50000" r="50000" b="50000"/>
-                  </a:path>
-                  <a:tileRect/>
-                </a:gradFill>
+                <a:solidFill>
+                  <a:schemeClr val="accent5">
+                    <a:lumMod val="40000"/>
+                    <a:lumOff val="60000"/>
+                  </a:schemeClr>
+                </a:solidFill>
                 <a:ln>
-                  <a:noFill/>
+                  <a:solidFill>
+                    <a:schemeClr val="accent1"/>
+                  </a:solidFill>
+                </a:ln>
+              </p:spPr>
+              <p:style>
+                <a:lnRef idx="2">
+                  <a:schemeClr val="accent1">
+                    <a:shade val="50000"/>
+                  </a:schemeClr>
+                </a:lnRef>
+                <a:fillRef idx="1">
+                  <a:schemeClr val="accent1"/>
+                </a:fillRef>
+                <a:effectRef idx="0">
+                  <a:schemeClr val="accent1"/>
+                </a:effectRef>
+                <a:fontRef idx="minor">
+                  <a:schemeClr val="lt1"/>
+                </a:fontRef>
+              </p:style>
+              <p:txBody>
+                <a:bodyPr rtlCol="0" anchor="ctr"/>
+                <a:lstStyle/>
+                <a:p>
+                  <a:pPr algn="ctr"/>
+                  <a:endParaRPr lang="zh-CN" altLang="en-US"/>
+                </a:p>
+              </p:txBody>
+            </p:sp>
+            <p:sp>
+              <p:nvSpPr>
+                <p:cNvPr id="16" name="矩形 15">
+                  <a:extLst>
+                    <a:ext uri="{FF2B5EF4-FFF2-40B4-BE49-F238E27FC236}">
+                      <a16:creationId xmlns:a16="http://schemas.microsoft.com/office/drawing/2014/main" id="{0568E88E-4B7A-BF95-9474-9F6F069E5B08}"/>
+                    </a:ext>
+                  </a:extLst>
+                </p:cNvPr>
+                <p:cNvSpPr/>
+                <p:nvPr/>
+              </p:nvSpPr>
+              <p:spPr>
+                <a:xfrm rot="19527827">
+                  <a:off x="4791793" y="870609"/>
+                  <a:ext cx="271027" cy="51546"/>
+                </a:xfrm>
+                <a:prstGeom prst="rect">
+                  <a:avLst/>
+                </a:prstGeom>
+                <a:solidFill>
+                  <a:schemeClr val="tx1">
+                    <a:lumMod val="95000"/>
+                    <a:lumOff val="5000"/>
+                  </a:schemeClr>
+                </a:solidFill>
+                <a:ln>
+                  <a:solidFill>
+                    <a:schemeClr val="tx1"/>
+                  </a:solidFill>
                 </a:ln>
               </p:spPr>
               <p:style>
@@ -3618,6 +3550,74 @@
               </p:txBody>
             </p:sp>
           </p:grpSp>
+          <p:sp>
+            <p:nvSpPr>
+              <p:cNvPr id="7" name="椭圆 6">
+                <a:extLst>
+                  <a:ext uri="{FF2B5EF4-FFF2-40B4-BE49-F238E27FC236}">
+                    <a16:creationId xmlns:a16="http://schemas.microsoft.com/office/drawing/2014/main" id="{42FE8EAF-E687-B794-16D2-85546F96A216}"/>
+                  </a:ext>
+                </a:extLst>
+              </p:cNvPr>
+              <p:cNvSpPr/>
+              <p:nvPr/>
+            </p:nvSpPr>
+            <p:spPr>
+              <a:xfrm>
+                <a:off x="4793504" y="1434766"/>
+                <a:ext cx="145761" cy="154558"/>
+              </a:xfrm>
+              <a:prstGeom prst="ellipse">
+                <a:avLst/>
+              </a:prstGeom>
+              <a:gradFill flip="none" rotWithShape="1">
+                <a:gsLst>
+                  <a:gs pos="78000">
+                    <a:schemeClr val="accent6">
+                      <a:lumMod val="75000"/>
+                      <a:alpha val="27000"/>
+                    </a:schemeClr>
+                  </a:gs>
+                  <a:gs pos="21000">
+                    <a:schemeClr val="accent6">
+                      <a:lumMod val="70000"/>
+                    </a:schemeClr>
+                  </a:gs>
+                </a:gsLst>
+                <a:path path="circle">
+                  <a:fillToRect l="50000" t="50000" r="50000" b="50000"/>
+                </a:path>
+                <a:tileRect/>
+              </a:gradFill>
+              <a:ln>
+                <a:noFill/>
+              </a:ln>
+            </p:spPr>
+            <p:style>
+              <a:lnRef idx="2">
+                <a:schemeClr val="accent1">
+                  <a:shade val="50000"/>
+                </a:schemeClr>
+              </a:lnRef>
+              <a:fillRef idx="1">
+                <a:schemeClr val="accent1"/>
+              </a:fillRef>
+              <a:effectRef idx="0">
+                <a:schemeClr val="accent1"/>
+              </a:effectRef>
+              <a:fontRef idx="minor">
+                <a:schemeClr val="lt1"/>
+              </a:fontRef>
+            </p:style>
+            <p:txBody>
+              <a:bodyPr rtlCol="0" anchor="ctr"/>
+              <a:lstStyle/>
+              <a:p>
+                <a:pPr algn="ctr"/>
+                <a:endParaRPr lang="zh-CN" altLang="en-US"/>
+              </a:p>
+            </p:txBody>
+          </p:sp>
         </p:grpSp>
         <p:sp>
           <p:nvSpPr>
@@ -3633,8 +3633,8 @@
           </p:nvSpPr>
           <p:spPr>
             <a:xfrm>
-              <a:off x="4351836" y="-226502"/>
-              <a:ext cx="1204414" cy="2348918"/>
+              <a:off x="4049072" y="-333634"/>
+              <a:ext cx="1204414" cy="3008925"/>
             </a:xfrm>
             <a:custGeom>
               <a:avLst/>
@@ -3743,276 +3743,6 @@
           </p:txBody>
         </p:sp>
       </p:grpSp>
-      <p:grpSp>
-        <p:nvGrpSpPr>
-          <p:cNvPr id="26" name="组合 25">
-            <a:extLst>
-              <a:ext uri="{FF2B5EF4-FFF2-40B4-BE49-F238E27FC236}">
-                <a16:creationId xmlns:a16="http://schemas.microsoft.com/office/drawing/2014/main" id="{21D65A84-1C9E-B5B3-5666-27A63336465F}"/>
-              </a:ext>
-            </a:extLst>
-          </p:cNvPr>
-          <p:cNvGrpSpPr/>
-          <p:nvPr/>
-        </p:nvGrpSpPr>
-        <p:grpSpPr>
-          <a:xfrm>
-            <a:off x="7038842" y="464552"/>
-            <a:ext cx="3919733" cy="3085431"/>
-            <a:chOff x="7038842" y="464552"/>
-            <a:chExt cx="3919733" cy="3085431"/>
-          </a:xfrm>
-        </p:grpSpPr>
-        <p:grpSp>
-          <p:nvGrpSpPr>
-            <p:cNvPr id="23" name="组合 22">
-              <a:extLst>
-                <a:ext uri="{FF2B5EF4-FFF2-40B4-BE49-F238E27FC236}">
-                  <a16:creationId xmlns:a16="http://schemas.microsoft.com/office/drawing/2014/main" id="{8886DE42-C954-E5D1-3E3B-D02B150F572A}"/>
-                </a:ext>
-              </a:extLst>
-            </p:cNvPr>
-            <p:cNvGrpSpPr/>
-            <p:nvPr/>
-          </p:nvGrpSpPr>
-          <p:grpSpPr>
-            <a:xfrm>
-              <a:off x="7038842" y="464552"/>
-              <a:ext cx="3758551" cy="3085431"/>
-              <a:chOff x="7038842" y="464552"/>
-              <a:chExt cx="3758551" cy="3085431"/>
-            </a:xfrm>
-          </p:grpSpPr>
-          <p:pic>
-            <p:nvPicPr>
-              <p:cNvPr id="22" name="图片 21">
-                <a:extLst>
-                  <a:ext uri="{FF2B5EF4-FFF2-40B4-BE49-F238E27FC236}">
-                    <a16:creationId xmlns:a16="http://schemas.microsoft.com/office/drawing/2014/main" id="{66762E8E-BE80-F094-ED56-361139A9770E}"/>
-                  </a:ext>
-                </a:extLst>
-              </p:cNvPr>
-              <p:cNvPicPr>
-                <a:picLocks noChangeAspect="1"/>
-              </p:cNvPicPr>
-              <p:nvPr/>
-            </p:nvPicPr>
-            <p:blipFill>
-              <a:blip r:embed="rId8"/>
-              <a:stretch>
-                <a:fillRect/>
-              </a:stretch>
-            </p:blipFill>
-            <p:spPr>
-              <a:xfrm>
-                <a:off x="7438551" y="726162"/>
-                <a:ext cx="3358842" cy="2526063"/>
-              </a:xfrm>
-              <a:prstGeom prst="rect">
-                <a:avLst/>
-              </a:prstGeom>
-            </p:spPr>
-          </p:pic>
-          <p:sp>
-            <p:nvSpPr>
-              <p:cNvPr id="21" name="文本框 20">
-                <a:extLst>
-                  <a:ext uri="{FF2B5EF4-FFF2-40B4-BE49-F238E27FC236}">
-                    <a16:creationId xmlns:a16="http://schemas.microsoft.com/office/drawing/2014/main" id="{FDD6E5E1-6B06-89CB-5358-86F9D527E285}"/>
-                  </a:ext>
-                </a:extLst>
-              </p:cNvPr>
-              <p:cNvSpPr txBox="1"/>
-              <p:nvPr/>
-            </p:nvSpPr>
-            <p:spPr>
-              <a:xfrm>
-                <a:off x="8108157" y="3272984"/>
-                <a:ext cx="1825696" cy="276999"/>
-              </a:xfrm>
-              <a:prstGeom prst="rect">
-                <a:avLst/>
-              </a:prstGeom>
-              <a:noFill/>
-            </p:spPr>
-            <p:txBody>
-              <a:bodyPr wrap="square" rtlCol="0">
-                <a:spAutoFit/>
-              </a:bodyPr>
-              <a:lstStyle/>
-              <a:p>
-                <a:r>
-                  <a:rPr lang="en-US" altLang="zh-CN" sz="1200" b="1" dirty="0"/>
-                  <a:t>Periods of two minutes</a:t>
-                </a:r>
-                <a:endParaRPr lang="zh-CN" altLang="en-US" sz="1200" b="1" dirty="0"/>
-              </a:p>
-            </p:txBody>
-          </p:sp>
-          <p:sp>
-            <p:nvSpPr>
-              <p:cNvPr id="17" name="文本框 16">
-                <a:extLst>
-                  <a:ext uri="{FF2B5EF4-FFF2-40B4-BE49-F238E27FC236}">
-                    <a16:creationId xmlns:a16="http://schemas.microsoft.com/office/drawing/2014/main" id="{6F4A3D9B-F73D-2C17-15DE-21DE76E91544}"/>
-                  </a:ext>
-                </a:extLst>
-              </p:cNvPr>
-              <p:cNvSpPr txBox="1"/>
-              <p:nvPr/>
-            </p:nvSpPr>
-            <p:spPr>
-              <a:xfrm rot="10800000">
-                <a:off x="7038842" y="567043"/>
-                <a:ext cx="353943" cy="2346685"/>
-              </a:xfrm>
-              <a:prstGeom prst="rect">
-                <a:avLst/>
-              </a:prstGeom>
-              <a:noFill/>
-            </p:spPr>
-            <p:txBody>
-              <a:bodyPr vert="eaVert" wrap="square" rtlCol="0">
-                <a:spAutoFit/>
-              </a:bodyPr>
-              <a:lstStyle/>
-              <a:p>
-                <a:r>
-                  <a:rPr lang="en-US" altLang="zh-CN" sz="1100" b="1" dirty="0"/>
-                  <a:t>Mean number of sections traversed</a:t>
-                </a:r>
-                <a:endParaRPr lang="zh-CN" altLang="en-US" sz="1100" b="1" dirty="0"/>
-              </a:p>
-            </p:txBody>
-          </p:sp>
-          <p:sp>
-            <p:nvSpPr>
-              <p:cNvPr id="25" name="文本框 24">
-                <a:extLst>
-                  <a:ext uri="{FF2B5EF4-FFF2-40B4-BE49-F238E27FC236}">
-                    <a16:creationId xmlns:a16="http://schemas.microsoft.com/office/drawing/2014/main" id="{8606C94F-13A6-D200-6CE4-28668E93FF51}"/>
-                  </a:ext>
-                </a:extLst>
-              </p:cNvPr>
-              <p:cNvSpPr txBox="1"/>
-              <p:nvPr/>
-            </p:nvSpPr>
-            <p:spPr>
-              <a:xfrm>
-                <a:off x="7929181" y="464552"/>
-                <a:ext cx="2581035" cy="261610"/>
-              </a:xfrm>
-              <a:prstGeom prst="rect">
-                <a:avLst/>
-              </a:prstGeom>
-              <a:noFill/>
-            </p:spPr>
-            <p:txBody>
-              <a:bodyPr wrap="square" rtlCol="0">
-                <a:spAutoFit/>
-              </a:bodyPr>
-              <a:lstStyle/>
-              <a:p>
-                <a:r>
-                  <a:rPr lang="en-US" altLang="zh-CN" sz="1100" b="1" dirty="0"/>
-                  <a:t>Day 1                      Day  2                   Day  3  </a:t>
-                </a:r>
-                <a:endParaRPr lang="zh-CN" altLang="en-US" sz="1100" b="1" dirty="0"/>
-              </a:p>
-            </p:txBody>
-          </p:sp>
-        </p:grpSp>
-        <p:sp>
-          <p:nvSpPr>
-            <p:cNvPr id="24" name="文本框 23">
-              <a:extLst>
-                <a:ext uri="{FF2B5EF4-FFF2-40B4-BE49-F238E27FC236}">
-                  <a16:creationId xmlns:a16="http://schemas.microsoft.com/office/drawing/2014/main" id="{16D705DE-F204-5100-BCE1-F642C6726F87}"/>
-                </a:ext>
-              </a:extLst>
-            </p:cNvPr>
-            <p:cNvSpPr txBox="1"/>
-            <p:nvPr/>
-          </p:nvSpPr>
-          <p:spPr>
-            <a:xfrm rot="5400000">
-              <a:off x="9580126" y="2048468"/>
-              <a:ext cx="2526065" cy="230832"/>
-            </a:xfrm>
-            <a:prstGeom prst="rect">
-              <a:avLst/>
-            </a:prstGeom>
-            <a:noFill/>
-          </p:spPr>
-          <p:txBody>
-            <a:bodyPr wrap="square" rtlCol="0">
-              <a:spAutoFit/>
-            </a:bodyPr>
-            <a:lstStyle/>
-            <a:p>
-              <a:r>
-                <a:rPr lang="en-US" altLang="zh-CN" sz="900" b="1" dirty="0"/>
-                <a:t>Enclosed group                                 Elevated group</a:t>
-              </a:r>
-              <a:endParaRPr lang="zh-CN" altLang="en-US" sz="900" b="1" dirty="0"/>
-            </a:p>
-          </p:txBody>
-        </p:sp>
-      </p:grpSp>
-      <p:sp>
-        <p:nvSpPr>
-          <p:cNvPr id="27" name="文本框 26">
-            <a:extLst>
-              <a:ext uri="{FF2B5EF4-FFF2-40B4-BE49-F238E27FC236}">
-                <a16:creationId xmlns:a16="http://schemas.microsoft.com/office/drawing/2014/main" id="{8519768D-AC68-A68D-BB1E-8A03BECF7F3D}"/>
-              </a:ext>
-            </a:extLst>
-          </p:cNvPr>
-          <p:cNvSpPr txBox="1"/>
-          <p:nvPr/>
-        </p:nvSpPr>
-        <p:spPr>
-          <a:xfrm>
-            <a:off x="7680745" y="3549983"/>
-            <a:ext cx="2491272" cy="400110"/>
-          </a:xfrm>
-          <a:prstGeom prst="rect">
-            <a:avLst/>
-          </a:prstGeom>
-          <a:noFill/>
-        </p:spPr>
-        <p:txBody>
-          <a:bodyPr wrap="square" rtlCol="0">
-            <a:spAutoFit/>
-          </a:bodyPr>
-          <a:lstStyle/>
-          <a:p>
-            <a:r>
-              <a:rPr lang="en-US" altLang="zh-CN" sz="1000" b="1" dirty="0">
-                <a:solidFill>
-                  <a:schemeClr val="accent1"/>
-                </a:solidFill>
-              </a:rPr>
-              <a:t>-Behavior records from (Montgomery, 1955)</a:t>
-            </a:r>
-          </a:p>
-          <a:p>
-            <a:r>
-              <a:rPr lang="en-US" altLang="zh-CN" sz="1000" b="1" dirty="0">
-                <a:solidFill>
-                  <a:schemeClr val="accent2"/>
-                </a:solidFill>
-              </a:rPr>
-              <a:t>-Our model prediction</a:t>
-            </a:r>
-            <a:endParaRPr lang="zh-CN" altLang="en-US" sz="1000" b="1" dirty="0">
-              <a:solidFill>
-                <a:schemeClr val="accent2"/>
-              </a:solidFill>
-            </a:endParaRPr>
-          </a:p>
-        </p:txBody>
-      </p:sp>
     </p:spTree>
     <p:extLst>
       <p:ext uri="{BB962C8B-B14F-4D97-AF65-F5344CB8AC3E}">
